--- a/源代码存储/算法设计/课程设计/2022212080_刘纪彤_动态规划算法的应用与实现.pptx
+++ b/源代码存储/算法设计/课程设计/2022212080_刘纪彤_动态规划算法的应用与实现.pptx
@@ -5,7 +5,7 @@
     <p:sldMasterId id="2147483648" r:id="rId1"/>
   </p:sldMasterIdLst>
   <p:notesMasterIdLst>
-    <p:notesMasterId r:id="rId18"/>
+    <p:notesMasterId r:id="rId19"/>
   </p:notesMasterIdLst>
   <p:sldIdLst>
     <p:sldId id="256" r:id="rId2"/>
@@ -24,6 +24,7 @@
     <p:sldId id="265" r:id="rId15"/>
     <p:sldId id="271" r:id="rId16"/>
     <p:sldId id="270" r:id="rId17"/>
+    <p:sldId id="272" r:id="rId18"/>
   </p:sldIdLst>
   <p:sldSz cx="12192000" cy="6858000"/>
   <p:notesSz cx="6858000" cy="9144000"/>
@@ -212,7 +213,7 @@
           <a:p>
             <a:fld id="{734A7528-5728-4193-8FB5-1968583377CE}" type="datetimeFigureOut">
               <a:rPr lang="zh-CN" altLang="en-US" smtClean="0"/>
-              <a:t>2024/5/9</a:t>
+              <a:t>2024/5/15</a:t>
             </a:fld>
             <a:endParaRPr lang="zh-CN" altLang="en-US"/>
           </a:p>
@@ -710,7 +711,7 @@
           <a:p>
             <a:fld id="{E266D7DA-5BE4-49C9-A1E2-D1D5668B4A19}" type="datetimeFigureOut">
               <a:rPr lang="zh-CN" altLang="en-US" smtClean="0"/>
-              <a:t>2024/5/9</a:t>
+              <a:t>2024/5/15</a:t>
             </a:fld>
             <a:endParaRPr lang="zh-CN" altLang="en-US"/>
           </a:p>
@@ -908,7 +909,7 @@
           <a:p>
             <a:fld id="{E266D7DA-5BE4-49C9-A1E2-D1D5668B4A19}" type="datetimeFigureOut">
               <a:rPr lang="zh-CN" altLang="en-US" smtClean="0"/>
-              <a:t>2024/5/9</a:t>
+              <a:t>2024/5/15</a:t>
             </a:fld>
             <a:endParaRPr lang="zh-CN" altLang="en-US"/>
           </a:p>
@@ -1116,7 +1117,7 @@
           <a:p>
             <a:fld id="{E266D7DA-5BE4-49C9-A1E2-D1D5668B4A19}" type="datetimeFigureOut">
               <a:rPr lang="zh-CN" altLang="en-US" smtClean="0"/>
-              <a:t>2024/5/9</a:t>
+              <a:t>2024/5/15</a:t>
             </a:fld>
             <a:endParaRPr lang="zh-CN" altLang="en-US"/>
           </a:p>
@@ -1314,7 +1315,7 @@
           <a:p>
             <a:fld id="{E266D7DA-5BE4-49C9-A1E2-D1D5668B4A19}" type="datetimeFigureOut">
               <a:rPr lang="zh-CN" altLang="en-US" smtClean="0"/>
-              <a:t>2024/5/9</a:t>
+              <a:t>2024/5/15</a:t>
             </a:fld>
             <a:endParaRPr lang="zh-CN" altLang="en-US"/>
           </a:p>
@@ -1589,7 +1590,7 @@
           <a:p>
             <a:fld id="{E266D7DA-5BE4-49C9-A1E2-D1D5668B4A19}" type="datetimeFigureOut">
               <a:rPr lang="zh-CN" altLang="en-US" smtClean="0"/>
-              <a:t>2024/5/9</a:t>
+              <a:t>2024/5/15</a:t>
             </a:fld>
             <a:endParaRPr lang="zh-CN" altLang="en-US"/>
           </a:p>
@@ -1854,7 +1855,7 @@
           <a:p>
             <a:fld id="{E266D7DA-5BE4-49C9-A1E2-D1D5668B4A19}" type="datetimeFigureOut">
               <a:rPr lang="zh-CN" altLang="en-US" smtClean="0"/>
-              <a:t>2024/5/9</a:t>
+              <a:t>2024/5/15</a:t>
             </a:fld>
             <a:endParaRPr lang="zh-CN" altLang="en-US"/>
           </a:p>
@@ -2266,7 +2267,7 @@
           <a:p>
             <a:fld id="{E266D7DA-5BE4-49C9-A1E2-D1D5668B4A19}" type="datetimeFigureOut">
               <a:rPr lang="zh-CN" altLang="en-US" smtClean="0"/>
-              <a:t>2024/5/9</a:t>
+              <a:t>2024/5/15</a:t>
             </a:fld>
             <a:endParaRPr lang="zh-CN" altLang="en-US"/>
           </a:p>
@@ -2407,7 +2408,7 @@
           <a:p>
             <a:fld id="{E266D7DA-5BE4-49C9-A1E2-D1D5668B4A19}" type="datetimeFigureOut">
               <a:rPr lang="zh-CN" altLang="en-US" smtClean="0"/>
-              <a:t>2024/5/9</a:t>
+              <a:t>2024/5/15</a:t>
             </a:fld>
             <a:endParaRPr lang="zh-CN" altLang="en-US"/>
           </a:p>
@@ -2520,7 +2521,7 @@
           <a:p>
             <a:fld id="{E266D7DA-5BE4-49C9-A1E2-D1D5668B4A19}" type="datetimeFigureOut">
               <a:rPr lang="zh-CN" altLang="en-US" smtClean="0"/>
-              <a:t>2024/5/9</a:t>
+              <a:t>2024/5/15</a:t>
             </a:fld>
             <a:endParaRPr lang="zh-CN" altLang="en-US"/>
           </a:p>
@@ -2831,7 +2832,7 @@
           <a:p>
             <a:fld id="{E266D7DA-5BE4-49C9-A1E2-D1D5668B4A19}" type="datetimeFigureOut">
               <a:rPr lang="zh-CN" altLang="en-US" smtClean="0"/>
-              <a:t>2024/5/9</a:t>
+              <a:t>2024/5/15</a:t>
             </a:fld>
             <a:endParaRPr lang="zh-CN" altLang="en-US"/>
           </a:p>
@@ -3119,7 +3120,7 @@
           <a:p>
             <a:fld id="{E266D7DA-5BE4-49C9-A1E2-D1D5668B4A19}" type="datetimeFigureOut">
               <a:rPr lang="zh-CN" altLang="en-US" smtClean="0"/>
-              <a:t>2024/5/9</a:t>
+              <a:t>2024/5/15</a:t>
             </a:fld>
             <a:endParaRPr lang="zh-CN" altLang="en-US"/>
           </a:p>
@@ -3360,7 +3361,7 @@
           <a:p>
             <a:fld id="{E266D7DA-5BE4-49C9-A1E2-D1D5668B4A19}" type="datetimeFigureOut">
               <a:rPr lang="zh-CN" altLang="en-US" smtClean="0"/>
-              <a:t>2024/5/9</a:t>
+              <a:t>2024/5/15</a:t>
             </a:fld>
             <a:endParaRPr lang="zh-CN" altLang="en-US"/>
           </a:p>
@@ -3909,8 +3910,8 @@
           </a:p>
         </p:txBody>
       </p:sp>
-      <mc:AlternateContent xmlns:mc="http://schemas.openxmlformats.org/markup-compatibility/2006">
-        <mc:Choice xmlns:a14="http://schemas.microsoft.com/office/drawing/2010/main" Requires="a14">
+      <mc:AlternateContent xmlns:mc="http://schemas.openxmlformats.org/markup-compatibility/2006" xmlns:a14="http://schemas.microsoft.com/office/drawing/2010/main">
+        <mc:Choice Requires="a14">
           <p:sp>
             <p:nvSpPr>
               <p:cNvPr id="8" name="文本框 7">
@@ -5708,7 +5709,7 @@
             </p:txBody>
           </p:sp>
         </mc:Choice>
-        <mc:Fallback>
+        <mc:Fallback xmlns="">
           <p:sp>
             <p:nvSpPr>
               <p:cNvPr id="8" name="文本框 7">
@@ -12850,8 +12851,8 @@
           </a:p>
         </p:txBody>
       </p:sp>
-      <mc:AlternateContent xmlns:mc="http://schemas.openxmlformats.org/markup-compatibility/2006">
-        <mc:Choice xmlns:a14="http://schemas.microsoft.com/office/drawing/2010/main" Requires="a14">
+      <mc:AlternateContent xmlns:mc="http://schemas.openxmlformats.org/markup-compatibility/2006" xmlns:a14="http://schemas.microsoft.com/office/drawing/2010/main">
+        <mc:Choice Requires="a14">
           <p:sp>
             <p:nvSpPr>
               <p:cNvPr id="3" name="内容占位符 2">
@@ -13317,7 +13318,7 @@
             </p:txBody>
           </p:sp>
         </mc:Choice>
-        <mc:Fallback>
+        <mc:Fallback xmlns="">
           <p:sp>
             <p:nvSpPr>
               <p:cNvPr id="3" name="内容占位符 2">
@@ -13415,8 +13416,8 @@
           </a:p>
         </p:txBody>
       </p:sp>
-      <mc:AlternateContent xmlns:mc="http://schemas.openxmlformats.org/markup-compatibility/2006">
-        <mc:Choice xmlns:a14="http://schemas.microsoft.com/office/drawing/2010/main" Requires="a14">
+      <mc:AlternateContent xmlns:mc="http://schemas.openxmlformats.org/markup-compatibility/2006" xmlns:a14="http://schemas.microsoft.com/office/drawing/2010/main">
+        <mc:Choice Requires="a14">
           <p:sp>
             <p:nvSpPr>
               <p:cNvPr id="3" name="内容占位符 2">
@@ -13445,31 +13446,41 @@
                 <a14:m>
                   <m:oMath xmlns:m="http://schemas.openxmlformats.org/officeDocument/2006/math">
                     <m:r>
-                      <a:rPr lang="en-US" altLang="zh-CN" i="1"/>
+                      <a:rPr lang="en-US" altLang="zh-CN" i="1">
+                        <a:latin typeface="Cambria Math" panose="02040503050406030204" pitchFamily="18" charset="0"/>
+                      </a:rPr>
                       <m:t>𝑂</m:t>
                     </m:r>
                     <m:d>
                       <m:dPr>
                         <m:ctrlPr>
-                          <a:rPr lang="zh-CN" altLang="zh-CN" i="1"/>
+                          <a:rPr lang="zh-CN" altLang="zh-CN" i="1">
+                            <a:latin typeface="Cambria Math" panose="02040503050406030204" pitchFamily="18" charset="0"/>
+                          </a:rPr>
                         </m:ctrlPr>
                       </m:dPr>
                       <m:e>
                         <m:sSup>
                           <m:sSupPr>
                             <m:ctrlPr>
-                              <a:rPr lang="zh-CN" altLang="zh-CN" i="1"/>
+                              <a:rPr lang="zh-CN" altLang="zh-CN" i="1">
+                                <a:latin typeface="Cambria Math" panose="02040503050406030204" pitchFamily="18" charset="0"/>
+                              </a:rPr>
                             </m:ctrlPr>
                           </m:sSupPr>
                           <m:e>
                             <m:r>
-                              <a:rPr lang="en-US" altLang="zh-CN" i="1"/>
+                              <a:rPr lang="en-US" altLang="zh-CN" i="1">
+                                <a:latin typeface="Cambria Math" panose="02040503050406030204" pitchFamily="18" charset="0"/>
+                              </a:rPr>
                               <m:t>3</m:t>
                             </m:r>
                           </m:e>
                           <m:sup>
                             <m:r>
-                              <a:rPr lang="en-US" altLang="zh-CN" i="1"/>
+                              <a:rPr lang="en-US" altLang="zh-CN" i="1">
+                                <a:latin typeface="Cambria Math" panose="02040503050406030204" pitchFamily="18" charset="0"/>
+                              </a:rPr>
                               <m:t>𝑛</m:t>
                             </m:r>
                           </m:sup>
@@ -13485,31 +13496,41 @@
                 <a14:m>
                   <m:oMath xmlns:m="http://schemas.openxmlformats.org/officeDocument/2006/math">
                     <m:r>
-                      <a:rPr lang="en-US" altLang="zh-CN" i="1"/>
+                      <a:rPr lang="en-US" altLang="zh-CN" i="1">
+                        <a:latin typeface="Cambria Math" panose="02040503050406030204" pitchFamily="18" charset="0"/>
+                      </a:rPr>
                       <m:t>𝑂</m:t>
                     </m:r>
                     <m:d>
                       <m:dPr>
                         <m:ctrlPr>
-                          <a:rPr lang="zh-CN" altLang="zh-CN" i="1"/>
+                          <a:rPr lang="zh-CN" altLang="zh-CN" i="1">
+                            <a:latin typeface="Cambria Math" panose="02040503050406030204" pitchFamily="18" charset="0"/>
+                          </a:rPr>
                         </m:ctrlPr>
                       </m:dPr>
                       <m:e>
                         <m:sSup>
                           <m:sSupPr>
                             <m:ctrlPr>
-                              <a:rPr lang="zh-CN" altLang="zh-CN" i="1"/>
+                              <a:rPr lang="zh-CN" altLang="zh-CN" i="1">
+                                <a:latin typeface="Cambria Math" panose="02040503050406030204" pitchFamily="18" charset="0"/>
+                              </a:rPr>
                             </m:ctrlPr>
                           </m:sSupPr>
                           <m:e>
                             <m:r>
-                              <a:rPr lang="en-US" altLang="zh-CN" i="1"/>
+                              <a:rPr lang="en-US" altLang="zh-CN" i="1">
+                                <a:latin typeface="Cambria Math" panose="02040503050406030204" pitchFamily="18" charset="0"/>
+                              </a:rPr>
                               <m:t>𝑛</m:t>
                             </m:r>
                           </m:e>
                           <m:sup>
                             <m:r>
-                              <a:rPr lang="en-US" altLang="zh-CN" i="1"/>
+                              <a:rPr lang="en-US" altLang="zh-CN" i="1">
+                                <a:latin typeface="Cambria Math" panose="02040503050406030204" pitchFamily="18" charset="0"/>
+                              </a:rPr>
                               <m:t>3</m:t>
                             </m:r>
                           </m:sup>
@@ -13535,7 +13556,7 @@
             </p:txBody>
           </p:sp>
         </mc:Choice>
-        <mc:Fallback>
+        <mc:Fallback xmlns="">
           <p:sp>
             <p:nvSpPr>
               <p:cNvPr id="3" name="内容占位符 2">
@@ -13588,6 +13609,80 @@
 </p:sld>
 </file>
 
+<file path=ppt/slides/slide17.xml><?xml version="1.0" encoding="utf-8"?>
+<p:sld xmlns:a="http://schemas.openxmlformats.org/drawingml/2006/main" xmlns:r="http://schemas.openxmlformats.org/officeDocument/2006/relationships" xmlns:p="http://schemas.openxmlformats.org/presentationml/2006/main">
+  <p:cSld>
+    <p:spTree>
+      <p:nvGrpSpPr>
+        <p:cNvPr id="1" name=""/>
+        <p:cNvGrpSpPr/>
+        <p:nvPr/>
+      </p:nvGrpSpPr>
+      <p:grpSpPr>
+        <a:xfrm>
+          <a:off x="0" y="0"/>
+          <a:ext cx="0" cy="0"/>
+          <a:chOff x="0" y="0"/>
+          <a:chExt cx="0" cy="0"/>
+        </a:xfrm>
+      </p:grpSpPr>
+      <p:sp>
+        <p:nvSpPr>
+          <p:cNvPr id="2" name="标题 1">
+            <a:extLst>
+              <a:ext uri="{FF2B5EF4-FFF2-40B4-BE49-F238E27FC236}">
+                <a16:creationId xmlns:a16="http://schemas.microsoft.com/office/drawing/2014/main" id="{B3CE0E66-FD50-9682-E41E-7A764A382960}"/>
+              </a:ext>
+            </a:extLst>
+          </p:cNvPr>
+          <p:cNvSpPr>
+            <a:spLocks noGrp="1"/>
+          </p:cNvSpPr>
+          <p:nvPr>
+            <p:ph type="title"/>
+          </p:nvPr>
+        </p:nvSpPr>
+        <p:spPr>
+          <a:xfrm>
+            <a:off x="1758911" y="2323578"/>
+            <a:ext cx="8251198" cy="1325563"/>
+          </a:xfrm>
+        </p:spPr>
+        <p:txBody>
+          <a:bodyPr>
+            <a:noAutofit/>
+          </a:bodyPr>
+          <a:lstStyle/>
+          <a:p>
+            <a:pPr algn="ctr"/>
+            <a:r>
+              <a:rPr lang="zh-CN" altLang="en-US" sz="6600" dirty="0"/>
+              <a:t>我谢谢您嘞</a:t>
+            </a:r>
+            <a:br>
+              <a:rPr lang="en-US" altLang="zh-CN" sz="6600" dirty="0"/>
+            </a:br>
+            <a:r>
+              <a:rPr lang="en-US" altLang="zh-CN" sz="6600" dirty="0"/>
+              <a:t>Thank you</a:t>
+            </a:r>
+            <a:endParaRPr lang="zh-CN" altLang="en-US" sz="6600" dirty="0"/>
+          </a:p>
+        </p:txBody>
+      </p:sp>
+    </p:spTree>
+    <p:extLst>
+      <p:ext uri="{BB962C8B-B14F-4D97-AF65-F5344CB8AC3E}">
+        <p14:creationId xmlns:p14="http://schemas.microsoft.com/office/powerpoint/2010/main" val="2734558397"/>
+      </p:ext>
+    </p:extLst>
+  </p:cSld>
+  <p:clrMapOvr>
+    <a:masterClrMapping/>
+  </p:clrMapOvr>
+</p:sld>
+</file>
+
 <file path=ppt/slides/slide2.xml><?xml version="1.0" encoding="utf-8"?>
 <p:sld xmlns:a="http://schemas.openxmlformats.org/drawingml/2006/main" xmlns:r="http://schemas.openxmlformats.org/officeDocument/2006/relationships" xmlns:p="http://schemas.openxmlformats.org/presentationml/2006/main">
   <p:cSld>
@@ -14251,8 +14346,8 @@
           </a:p>
         </p:txBody>
       </p:sp>
-      <mc:AlternateContent xmlns:mc="http://schemas.openxmlformats.org/markup-compatibility/2006">
-        <mc:Choice xmlns:a14="http://schemas.microsoft.com/office/drawing/2010/main" Requires="a14">
+      <mc:AlternateContent xmlns:mc="http://schemas.openxmlformats.org/markup-compatibility/2006" xmlns:a14="http://schemas.microsoft.com/office/drawing/2010/main">
+        <mc:Choice Requires="a14">
           <p:sp>
             <p:nvSpPr>
               <p:cNvPr id="3" name="内容占位符 2">
@@ -15082,7 +15177,7 @@
             </p:txBody>
           </p:sp>
         </mc:Choice>
-        <mc:Fallback>
+        <mc:Fallback xmlns="">
           <p:sp>
             <p:nvSpPr>
               <p:cNvPr id="3" name="内容占位符 2">
